--- a/lesson12.pptx
+++ b/lesson12.pptx
@@ -145,14 +145,6 @@
     </p:ext>
   </p:extLst>
 </p:presentation>
-</file>
-
-<file path=ppt/revisionInfo.xml><?xml version="1.0" encoding="utf-8"?>
-<p1510:revInfo xmlns:a="http://schemas.openxmlformats.org/drawingml/2006/main" xmlns:r="http://schemas.openxmlformats.org/officeDocument/2006/relationships" xmlns:p1510="http://schemas.microsoft.com/office/powerpoint/2015/10/main">
-  <p1510:revLst>
-    <p1510:client id="{0C66D629-4FE0-44D4-B206-29F87EBE659E}" v="9" dt="2021-05-06T03:57:25.574"/>
-  </p1510:revLst>
-</p1510:revInfo>
 </file>
 
 <file path=ppt/changesInfos/changesInfo1.xml><?xml version="1.0" encoding="utf-8"?>
@@ -339,8 +331,8 @@
   </pc:docChgLst>
   <pc:docChgLst>
     <pc:chgData name="Anatoliy Kigel" userId="7432c6c4687b0a9c" providerId="LiveId" clId="{FAD7C6D2-875D-4866-9021-8661D2551D77}"/>
-    <pc:docChg chg="modSld">
-      <pc:chgData name="Anatoliy Kigel" userId="7432c6c4687b0a9c" providerId="LiveId" clId="{FAD7C6D2-875D-4866-9021-8661D2551D77}" dt="2021-05-06T04:02:19.109" v="2" actId="20577"/>
+    <pc:docChg chg="custSel modSld">
+      <pc:chgData name="Anatoliy Kigel" userId="7432c6c4687b0a9c" providerId="LiveId" clId="{FAD7C6D2-875D-4866-9021-8661D2551D77}" dt="2021-05-07T08:01:26.250" v="82" actId="1035"/>
       <pc:docMkLst>
         <pc:docMk/>
       </pc:docMkLst>
@@ -355,6 +347,37 @@
           <ac:spMkLst>
             <pc:docMk/>
             <pc:sldMk cId="1594165977" sldId="582"/>
+            <ac:spMk id="10" creationId="{00000000-0000-0000-0000-000000000000}"/>
+          </ac:spMkLst>
+        </pc:spChg>
+      </pc:sldChg>
+      <pc:sldChg chg="modSp mod">
+        <pc:chgData name="Anatoliy Kigel" userId="7432c6c4687b0a9c" providerId="LiveId" clId="{FAD7C6D2-875D-4866-9021-8661D2551D77}" dt="2021-05-07T08:01:26.250" v="82" actId="1035"/>
+        <pc:sldMkLst>
+          <pc:docMk/>
+          <pc:sldMk cId="1571604367" sldId="584"/>
+        </pc:sldMkLst>
+        <pc:spChg chg="mod">
+          <ac:chgData name="Anatoliy Kigel" userId="7432c6c4687b0a9c" providerId="LiveId" clId="{FAD7C6D2-875D-4866-9021-8661D2551D77}" dt="2021-05-07T08:00:33.209" v="78" actId="1036"/>
+          <ac:spMkLst>
+            <pc:docMk/>
+            <pc:sldMk cId="1571604367" sldId="584"/>
+            <ac:spMk id="3" creationId="{00000000-0000-0000-0000-000000000000}"/>
+          </ac:spMkLst>
+        </pc:spChg>
+        <pc:spChg chg="mod">
+          <ac:chgData name="Anatoliy Kigel" userId="7432c6c4687b0a9c" providerId="LiveId" clId="{FAD7C6D2-875D-4866-9021-8661D2551D77}" dt="2021-05-07T08:00:34.945" v="79" actId="1035"/>
+          <ac:spMkLst>
+            <pc:docMk/>
+            <pc:sldMk cId="1571604367" sldId="584"/>
+            <ac:spMk id="9" creationId="{00000000-0000-0000-0000-000000000000}"/>
+          </ac:spMkLst>
+        </pc:spChg>
+        <pc:spChg chg="mod">
+          <ac:chgData name="Anatoliy Kigel" userId="7432c6c4687b0a9c" providerId="LiveId" clId="{FAD7C6D2-875D-4866-9021-8661D2551D77}" dt="2021-05-07T08:01:26.250" v="82" actId="1035"/>
+          <ac:spMkLst>
+            <pc:docMk/>
+            <pc:sldMk cId="1571604367" sldId="584"/>
             <ac:spMk id="10" creationId="{00000000-0000-0000-0000-000000000000}"/>
           </ac:spMkLst>
         </pc:spChg>
@@ -447,7 +470,7 @@
             <a:fld id="{85522811-C5C6-42D2-A409-F8556720C93F}" type="datetimeFigureOut">
               <a:rPr lang="uk-UA" smtClean="0"/>
               <a:pPr/>
-              <a:t>06.05.2021</a:t>
+              <a:t>07.05.2021</a:t>
             </a:fld>
             <a:endParaRPr lang="uk-UA"/>
           </a:p>
@@ -1355,7 +1378,7 @@
             <a:fld id="{E6FC6B0D-6115-4D7C-8040-9C8E2349BB6E}" type="datetime1">
               <a:rPr lang="uk-UA" smtClean="0"/>
               <a:pPr/>
-              <a:t>06.05.2021</a:t>
+              <a:t>07.05.2021</a:t>
             </a:fld>
             <a:endParaRPr lang="uk-UA"/>
           </a:p>
@@ -1522,7 +1545,7 @@
             <a:fld id="{996367BA-0A39-4DE2-BFC3-D5290044365E}" type="datetime1">
               <a:rPr lang="uk-UA" smtClean="0"/>
               <a:pPr/>
-              <a:t>06.05.2021</a:t>
+              <a:t>07.05.2021</a:t>
             </a:fld>
             <a:endParaRPr lang="uk-UA"/>
           </a:p>
@@ -1699,7 +1722,7 @@
             <a:fld id="{1BD6A67F-6C29-47DC-AF8A-FDB3C787DF70}" type="datetime1">
               <a:rPr lang="uk-UA" smtClean="0"/>
               <a:pPr/>
-              <a:t>06.05.2021</a:t>
+              <a:t>07.05.2021</a:t>
             </a:fld>
             <a:endParaRPr lang="uk-UA"/>
           </a:p>
@@ -1866,7 +1889,7 @@
             <a:fld id="{1657D9C5-7FF1-434F-B56E-9BAD559744E9}" type="datetime1">
               <a:rPr lang="uk-UA" smtClean="0"/>
               <a:pPr/>
-              <a:t>06.05.2021</a:t>
+              <a:t>07.05.2021</a:t>
             </a:fld>
             <a:endParaRPr lang="uk-UA"/>
           </a:p>
@@ -2109,7 +2132,7 @@
             <a:fld id="{2CEB0FC9-DE63-476B-A1A9-BE934D9049F8}" type="datetime1">
               <a:rPr lang="uk-UA" smtClean="0"/>
               <a:pPr/>
-              <a:t>06.05.2021</a:t>
+              <a:t>07.05.2021</a:t>
             </a:fld>
             <a:endParaRPr lang="uk-UA"/>
           </a:p>
@@ -2394,7 +2417,7 @@
             <a:fld id="{F964460F-86E2-4DF6-9D0F-12F5005CF375}" type="datetime1">
               <a:rPr lang="uk-UA" smtClean="0"/>
               <a:pPr/>
-              <a:t>06.05.2021</a:t>
+              <a:t>07.05.2021</a:t>
             </a:fld>
             <a:endParaRPr lang="uk-UA"/>
           </a:p>
@@ -2813,7 +2836,7 @@
             <a:fld id="{C521715E-DDCD-4267-B0A5-2918B6F6768A}" type="datetime1">
               <a:rPr lang="uk-UA" smtClean="0"/>
               <a:pPr/>
-              <a:t>06.05.2021</a:t>
+              <a:t>07.05.2021</a:t>
             </a:fld>
             <a:endParaRPr lang="uk-UA"/>
           </a:p>
@@ -2928,7 +2951,7 @@
             <a:fld id="{9289842C-EB2D-4EBB-A272-2F6A49D9794D}" type="datetime1">
               <a:rPr lang="uk-UA" smtClean="0"/>
               <a:pPr/>
-              <a:t>06.05.2021</a:t>
+              <a:t>07.05.2021</a:t>
             </a:fld>
             <a:endParaRPr lang="uk-UA"/>
           </a:p>
@@ -3020,7 +3043,7 @@
             <a:fld id="{D036F091-B700-4B52-99AC-85D0FD94D904}" type="datetime1">
               <a:rPr lang="uk-UA" smtClean="0"/>
               <a:pPr/>
-              <a:t>06.05.2021</a:t>
+              <a:t>07.05.2021</a:t>
             </a:fld>
             <a:endParaRPr lang="uk-UA"/>
           </a:p>
@@ -3294,7 +3317,7 @@
             <a:fld id="{B35DFABA-3811-4634-B803-2EAC4CD0063B}" type="datetime1">
               <a:rPr lang="uk-UA" smtClean="0"/>
               <a:pPr/>
-              <a:t>06.05.2021</a:t>
+              <a:t>07.05.2021</a:t>
             </a:fld>
             <a:endParaRPr lang="uk-UA"/>
           </a:p>
@@ -3544,7 +3567,7 @@
             <a:fld id="{8A9EA25E-F88E-463A-A119-D1E55A881002}" type="datetime1">
               <a:rPr lang="uk-UA" smtClean="0"/>
               <a:pPr/>
-              <a:t>06.05.2021</a:t>
+              <a:t>07.05.2021</a:t>
             </a:fld>
             <a:endParaRPr lang="uk-UA"/>
           </a:p>
@@ -3754,7 +3777,7 @@
             <a:fld id="{E708ED03-0080-49A2-B709-7DA4ACB3A1C3}" type="datetime1">
               <a:rPr lang="uk-UA" smtClean="0"/>
               <a:pPr/>
-              <a:t>06.05.2021</a:t>
+              <a:t>07.05.2021</a:t>
             </a:fld>
             <a:endParaRPr lang="uk-UA"/>
           </a:p>
@@ -5254,7 +5277,7 @@
         </p:nvSpPr>
         <p:spPr>
           <a:xfrm>
-            <a:off x="0" y="344850"/>
+            <a:off x="0" y="560874"/>
             <a:ext cx="12192000" cy="707886"/>
           </a:xfrm>
           <a:prstGeom prst="rect">
@@ -5270,12 +5293,14 @@
           <a:p>
             <a:pPr algn="ctr"/>
             <a:r>
-              <a:rPr lang="en-US" sz="4000" b="1" dirty="0" err="1">
-                <a:solidFill>
-                  <a:srgbClr val="00B050"/>
-                </a:solidFill>
-              </a:rPr>
-              <a:t>Vite</a:t>
+              <a:rPr lang="en-US" sz="4000" b="1" dirty="0">
+                <a:solidFill>
+                  <a:schemeClr val="accent6">
+                    <a:lumMod val="75000"/>
+                  </a:schemeClr>
+                </a:solidFill>
+              </a:rPr>
+              <a:t>Serve</a:t>
             </a:r>
             <a:r>
               <a:rPr lang="en-US" sz="4000" b="1" dirty="0"/>
@@ -5283,24 +5308,13 @@
             </a:r>
             <a:r>
               <a:rPr lang="ru-RU" sz="4000" b="1" dirty="0"/>
-              <a:t>«компилятор» </a:t>
-            </a:r>
-            <a:r>
-              <a:rPr lang="en-US" sz="4000" b="1" dirty="0" err="1">
-                <a:solidFill>
-                  <a:srgbClr val="00B050"/>
-                </a:solidFill>
-              </a:rPr>
-              <a:t>Vue</a:t>
+              <a:t>локальный веб-сервер на базе </a:t>
             </a:r>
             <a:r>
               <a:rPr lang="en-US" sz="4000" b="1" dirty="0"/>
-              <a:t>-</a:t>
-            </a:r>
-            <a:r>
-              <a:rPr lang="ru-RU" sz="4000" b="1" dirty="0"/>
-              <a:t>проекта</a:t>
-            </a:r>
+              <a:t>Node.js</a:t>
+            </a:r>
+            <a:endParaRPr lang="ru-RU" sz="4000" b="1" dirty="0"/>
           </a:p>
         </p:txBody>
       </p:sp>
@@ -5344,7 +5358,7 @@
         </p:nvSpPr>
         <p:spPr>
           <a:xfrm>
-            <a:off x="1955540" y="1483014"/>
+            <a:off x="1955540" y="1988840"/>
             <a:ext cx="8280920" cy="1569660"/>
           </a:xfrm>
           <a:prstGeom prst="rect">
@@ -5524,7 +5538,7 @@
         </p:nvSpPr>
         <p:spPr>
           <a:xfrm>
-            <a:off x="1955540" y="4255323"/>
+            <a:off x="1955540" y="4077072"/>
             <a:ext cx="8280920" cy="1200329"/>
           </a:xfrm>
           <a:prstGeom prst="rect">
